--- a/Plan.pptx
+++ b/Plan.pptx
@@ -6,6 +6,8 @@
   </p:sldMasterIdLst>
   <p:sldIdLst>
     <p:sldId id="256" r:id="rId2"/>
+    <p:sldId id="257" r:id="rId3"/>
+    <p:sldId id="258" r:id="rId4"/>
   </p:sldIdLst>
   <p:sldSz cx="12192000" cy="6858000"/>
   <p:notesSz cx="6858000" cy="9144000"/>
@@ -104,6 +106,11 @@
       </a:defRPr>
     </a:lvl9pPr>
   </p:defaultTextStyle>
+  <p:extLst>
+    <p:ext uri="{EFAFB233-063F-42B5-8137-9DF3F51BA10A}">
+      <p15:sldGuideLst xmlns:p15="http://schemas.microsoft.com/office/powerpoint/2012/main"/>
+    </p:ext>
+  </p:extLst>
 </p:presentation>
 </file>
 
@@ -3307,6 +3314,14 @@
 <file path=ppt/slides/slide1.xml><?xml version="1.0" encoding="utf-8"?>
 <p:sld xmlns:a="http://schemas.openxmlformats.org/drawingml/2006/main" xmlns:r="http://schemas.openxmlformats.org/officeDocument/2006/relationships" xmlns:p="http://schemas.openxmlformats.org/presentationml/2006/main">
   <p:cSld>
+    <p:bg>
+      <p:bgPr>
+        <a:solidFill>
+          <a:srgbClr val="F6F6F8"/>
+        </a:solidFill>
+        <a:effectLst/>
+      </p:bgPr>
+    </p:bg>
     <p:spTree>
       <p:nvGrpSpPr>
         <p:cNvPr id="1" name=""/>
@@ -3321,6 +3336,220 @@
           <a:chExt cx="0" cy="0"/>
         </a:xfrm>
       </p:grpSpPr>
+      <p:grpSp>
+        <p:nvGrpSpPr>
+          <p:cNvPr id="4" name="그룹 3">
+            <a:extLst>
+              <a:ext uri="{FF2B5EF4-FFF2-40B4-BE49-F238E27FC236}">
+                <a16:creationId xmlns:a16="http://schemas.microsoft.com/office/drawing/2014/main" id="{E8444E72-53D2-8B81-1B0B-E865530A22EA}"/>
+              </a:ext>
+            </a:extLst>
+          </p:cNvPr>
+          <p:cNvGrpSpPr/>
+          <p:nvPr/>
+        </p:nvGrpSpPr>
+        <p:grpSpPr>
+          <a:xfrm>
+            <a:off x="1978131" y="2522388"/>
+            <a:ext cx="8235737" cy="1813223"/>
+            <a:chOff x="1978131" y="2583640"/>
+            <a:chExt cx="8235737" cy="1813223"/>
+          </a:xfrm>
+        </p:grpSpPr>
+        <p:sp>
+          <p:nvSpPr>
+            <p:cNvPr id="2" name="TextBox 1">
+              <a:extLst>
+                <a:ext uri="{FF2B5EF4-FFF2-40B4-BE49-F238E27FC236}">
+                  <a16:creationId xmlns:a16="http://schemas.microsoft.com/office/drawing/2014/main" id="{770093A0-ED9F-F770-AF8C-F434C01B4CDB}"/>
+                </a:ext>
+              </a:extLst>
+            </p:cNvPr>
+            <p:cNvSpPr txBox="1"/>
+            <p:nvPr/>
+          </p:nvSpPr>
+          <p:spPr>
+            <a:xfrm>
+              <a:off x="1978131" y="2583640"/>
+              <a:ext cx="8235737" cy="1200329"/>
+            </a:xfrm>
+            <a:prstGeom prst="rect">
+              <a:avLst/>
+            </a:prstGeom>
+            <a:noFill/>
+          </p:spPr>
+          <p:txBody>
+            <a:bodyPr wrap="square" rtlCol="0">
+              <a:spAutoFit/>
+            </a:bodyPr>
+            <a:lstStyle/>
+            <a:p>
+              <a:pPr algn="ctr"/>
+              <a:r>
+                <a:rPr lang="ko-KR" altLang="en-US" sz="7200" dirty="0">
+                  <a:latin typeface="Noto Sans KR Black" panose="020B0200000000000000" pitchFamily="50" charset="-127"/>
+                  <a:ea typeface="Noto Sans KR Black" panose="020B0200000000000000" pitchFamily="50" charset="-127"/>
+                </a:rPr>
+                <a:t>요양원 예약 서비스</a:t>
+              </a:r>
+            </a:p>
+          </p:txBody>
+        </p:sp>
+        <p:sp>
+          <p:nvSpPr>
+            <p:cNvPr id="3" name="TextBox 2">
+              <a:extLst>
+                <a:ext uri="{FF2B5EF4-FFF2-40B4-BE49-F238E27FC236}">
+                  <a16:creationId xmlns:a16="http://schemas.microsoft.com/office/drawing/2014/main" id="{EAD308BB-4AAA-E44A-7175-EA7DD7AD2FD2}"/>
+                </a:ext>
+              </a:extLst>
+            </p:cNvPr>
+            <p:cNvSpPr txBox="1"/>
+            <p:nvPr/>
+          </p:nvSpPr>
+          <p:spPr>
+            <a:xfrm>
+              <a:off x="1978131" y="3688977"/>
+              <a:ext cx="8235737" cy="707886"/>
+            </a:xfrm>
+            <a:prstGeom prst="rect">
+              <a:avLst/>
+            </a:prstGeom>
+            <a:noFill/>
+          </p:spPr>
+          <p:txBody>
+            <a:bodyPr wrap="square" rtlCol="0">
+              <a:spAutoFit/>
+            </a:bodyPr>
+            <a:lstStyle/>
+            <a:p>
+              <a:pPr algn="ctr"/>
+              <a:r>
+                <a:rPr lang="en-US" altLang="ko-KR" sz="4000" dirty="0">
+                  <a:latin typeface="Noto Sans KR SemiBold" panose="020B0200000000000000" pitchFamily="50" charset="-127"/>
+                  <a:ea typeface="Noto Sans KR SemiBold" panose="020B0200000000000000" pitchFamily="50" charset="-127"/>
+                </a:rPr>
+                <a:t>ABOUT CARE</a:t>
+              </a:r>
+              <a:endParaRPr lang="ko-KR" altLang="en-US" sz="4000" dirty="0">
+                <a:latin typeface="Noto Sans KR SemiBold" panose="020B0200000000000000" pitchFamily="50" charset="-127"/>
+                <a:ea typeface="Noto Sans KR SemiBold" panose="020B0200000000000000" pitchFamily="50" charset="-127"/>
+              </a:endParaRPr>
+            </a:p>
+          </p:txBody>
+        </p:sp>
+      </p:grpSp>
+    </p:spTree>
+    <p:extLst>
+      <p:ext uri="{BB962C8B-B14F-4D97-AF65-F5344CB8AC3E}">
+        <p14:creationId xmlns:p14="http://schemas.microsoft.com/office/powerpoint/2010/main" val="2054074947"/>
+      </p:ext>
+    </p:extLst>
+  </p:cSld>
+  <p:clrMapOvr>
+    <a:masterClrMapping/>
+  </p:clrMapOvr>
+</p:sld>
+</file>
+
+<file path=ppt/slides/slide2.xml><?xml version="1.0" encoding="utf-8"?>
+<p:sld xmlns:a="http://schemas.openxmlformats.org/drawingml/2006/main" xmlns:r="http://schemas.openxmlformats.org/officeDocument/2006/relationships" xmlns:p="http://schemas.openxmlformats.org/presentationml/2006/main">
+  <p:cSld>
+    <p:bg>
+      <p:bgPr>
+        <a:solidFill>
+          <a:srgbClr val="F6F6F8"/>
+        </a:solidFill>
+        <a:effectLst/>
+      </p:bgPr>
+    </p:bg>
+    <p:spTree>
+      <p:nvGrpSpPr>
+        <p:cNvPr id="1" name=""/>
+        <p:cNvGrpSpPr/>
+        <p:nvPr/>
+      </p:nvGrpSpPr>
+      <p:grpSpPr>
+        <a:xfrm>
+          <a:off x="0" y="0"/>
+          <a:ext cx="0" cy="0"/>
+          <a:chOff x="0" y="0"/>
+          <a:chExt cx="0" cy="0"/>
+        </a:xfrm>
+      </p:grpSpPr>
+      <p:sp>
+        <p:nvSpPr>
+          <p:cNvPr id="2" name="TextBox 1">
+            <a:extLst>
+              <a:ext uri="{FF2B5EF4-FFF2-40B4-BE49-F238E27FC236}">
+                <a16:creationId xmlns:a16="http://schemas.microsoft.com/office/drawing/2014/main" id="{689F5B51-8667-6039-612A-C387080F6BD8}"/>
+              </a:ext>
+            </a:extLst>
+          </p:cNvPr>
+          <p:cNvSpPr txBox="1"/>
+          <p:nvPr/>
+        </p:nvSpPr>
+        <p:spPr>
+          <a:xfrm>
+            <a:off x="1742883" y="2117235"/>
+            <a:ext cx="6173735" cy="369332"/>
+          </a:xfrm>
+          <a:prstGeom prst="rect">
+            <a:avLst/>
+          </a:prstGeom>
+          <a:noFill/>
+        </p:spPr>
+        <p:txBody>
+          <a:bodyPr wrap="square" rtlCol="0">
+            <a:spAutoFit/>
+          </a:bodyPr>
+          <a:lstStyle/>
+          <a:p>
+            <a:r>
+              <a:rPr lang="ko-KR" altLang="en-US" dirty="0"/>
+              <a:t>개발 </a:t>
+            </a:r>
+          </a:p>
+        </p:txBody>
+      </p:sp>
+    </p:spTree>
+    <p:extLst>
+      <p:ext uri="{BB962C8B-B14F-4D97-AF65-F5344CB8AC3E}">
+        <p14:creationId xmlns:p14="http://schemas.microsoft.com/office/powerpoint/2010/main" val="3988590023"/>
+      </p:ext>
+    </p:extLst>
+  </p:cSld>
+  <p:clrMapOvr>
+    <a:masterClrMapping/>
+  </p:clrMapOvr>
+</p:sld>
+</file>
+
+<file path=ppt/slides/slide3.xml><?xml version="1.0" encoding="utf-8"?>
+<p:sld xmlns:a="http://schemas.openxmlformats.org/drawingml/2006/main" xmlns:r="http://schemas.openxmlformats.org/officeDocument/2006/relationships" xmlns:p="http://schemas.openxmlformats.org/presentationml/2006/main">
+  <p:cSld>
+    <p:bg>
+      <p:bgPr>
+        <a:solidFill>
+          <a:srgbClr val="F6F6F8"/>
+        </a:solidFill>
+        <a:effectLst/>
+      </p:bgPr>
+    </p:bg>
+    <p:spTree>
+      <p:nvGrpSpPr>
+        <p:cNvPr id="1" name=""/>
+        <p:cNvGrpSpPr/>
+        <p:nvPr/>
+      </p:nvGrpSpPr>
+      <p:grpSpPr>
+        <a:xfrm>
+          <a:off x="0" y="0"/>
+          <a:ext cx="0" cy="0"/>
+          <a:chOff x="0" y="0"/>
+          <a:chExt cx="0" cy="0"/>
+        </a:xfrm>
+      </p:grpSpPr>
       <p:sp>
         <p:nvSpPr>
           <p:cNvPr id="5" name="TextBox 4">
@@ -3920,7 +4149,7 @@
     </p:spTree>
     <p:extLst>
       <p:ext uri="{BB962C8B-B14F-4D97-AF65-F5344CB8AC3E}">
-        <p14:creationId xmlns:p14="http://schemas.microsoft.com/office/powerpoint/2010/main" val="2054074947"/>
+        <p14:creationId xmlns:p14="http://schemas.microsoft.com/office/powerpoint/2010/main" val="1191713305"/>
       </p:ext>
     </p:extLst>
   </p:cSld>

--- a/Plan.pptx
+++ b/Plan.pptx
@@ -261,7 +261,7 @@
           <a:p>
             <a:fld id="{7F2EB246-C8AD-4BA7-AE52-504659531BF0}" type="datetimeFigureOut">
               <a:rPr lang="ko-KR" altLang="en-US" smtClean="0"/>
-              <a:t>2024-07-09</a:t>
+              <a:t>2024-07-10</a:t>
             </a:fld>
             <a:endParaRPr lang="ko-KR" altLang="en-US"/>
           </a:p>
@@ -459,7 +459,7 @@
           <a:p>
             <a:fld id="{7F2EB246-C8AD-4BA7-AE52-504659531BF0}" type="datetimeFigureOut">
               <a:rPr lang="ko-KR" altLang="en-US" smtClean="0"/>
-              <a:t>2024-07-09</a:t>
+              <a:t>2024-07-10</a:t>
             </a:fld>
             <a:endParaRPr lang="ko-KR" altLang="en-US"/>
           </a:p>
@@ -667,7 +667,7 @@
           <a:p>
             <a:fld id="{7F2EB246-C8AD-4BA7-AE52-504659531BF0}" type="datetimeFigureOut">
               <a:rPr lang="ko-KR" altLang="en-US" smtClean="0"/>
-              <a:t>2024-07-09</a:t>
+              <a:t>2024-07-10</a:t>
             </a:fld>
             <a:endParaRPr lang="ko-KR" altLang="en-US"/>
           </a:p>
@@ -865,7 +865,7 @@
           <a:p>
             <a:fld id="{7F2EB246-C8AD-4BA7-AE52-504659531BF0}" type="datetimeFigureOut">
               <a:rPr lang="ko-KR" altLang="en-US" smtClean="0"/>
-              <a:t>2024-07-09</a:t>
+              <a:t>2024-07-10</a:t>
             </a:fld>
             <a:endParaRPr lang="ko-KR" altLang="en-US"/>
           </a:p>
@@ -1140,7 +1140,7 @@
           <a:p>
             <a:fld id="{7F2EB246-C8AD-4BA7-AE52-504659531BF0}" type="datetimeFigureOut">
               <a:rPr lang="ko-KR" altLang="en-US" smtClean="0"/>
-              <a:t>2024-07-09</a:t>
+              <a:t>2024-07-10</a:t>
             </a:fld>
             <a:endParaRPr lang="ko-KR" altLang="en-US"/>
           </a:p>
@@ -1405,7 +1405,7 @@
           <a:p>
             <a:fld id="{7F2EB246-C8AD-4BA7-AE52-504659531BF0}" type="datetimeFigureOut">
               <a:rPr lang="ko-KR" altLang="en-US" smtClean="0"/>
-              <a:t>2024-07-09</a:t>
+              <a:t>2024-07-10</a:t>
             </a:fld>
             <a:endParaRPr lang="ko-KR" altLang="en-US"/>
           </a:p>
@@ -1817,7 +1817,7 @@
           <a:p>
             <a:fld id="{7F2EB246-C8AD-4BA7-AE52-504659531BF0}" type="datetimeFigureOut">
               <a:rPr lang="ko-KR" altLang="en-US" smtClean="0"/>
-              <a:t>2024-07-09</a:t>
+              <a:t>2024-07-10</a:t>
             </a:fld>
             <a:endParaRPr lang="ko-KR" altLang="en-US"/>
           </a:p>
@@ -1958,7 +1958,7 @@
           <a:p>
             <a:fld id="{7F2EB246-C8AD-4BA7-AE52-504659531BF0}" type="datetimeFigureOut">
               <a:rPr lang="ko-KR" altLang="en-US" smtClean="0"/>
-              <a:t>2024-07-09</a:t>
+              <a:t>2024-07-10</a:t>
             </a:fld>
             <a:endParaRPr lang="ko-KR" altLang="en-US"/>
           </a:p>
@@ -2071,7 +2071,7 @@
           <a:p>
             <a:fld id="{7F2EB246-C8AD-4BA7-AE52-504659531BF0}" type="datetimeFigureOut">
               <a:rPr lang="ko-KR" altLang="en-US" smtClean="0"/>
-              <a:t>2024-07-09</a:t>
+              <a:t>2024-07-10</a:t>
             </a:fld>
             <a:endParaRPr lang="ko-KR" altLang="en-US"/>
           </a:p>
@@ -2382,7 +2382,7 @@
           <a:p>
             <a:fld id="{7F2EB246-C8AD-4BA7-AE52-504659531BF0}" type="datetimeFigureOut">
               <a:rPr lang="ko-KR" altLang="en-US" smtClean="0"/>
-              <a:t>2024-07-09</a:t>
+              <a:t>2024-07-10</a:t>
             </a:fld>
             <a:endParaRPr lang="ko-KR" altLang="en-US"/>
           </a:p>
@@ -2670,7 +2670,7 @@
           <a:p>
             <a:fld id="{7F2EB246-C8AD-4BA7-AE52-504659531BF0}" type="datetimeFigureOut">
               <a:rPr lang="ko-KR" altLang="en-US" smtClean="0"/>
-              <a:t>2024-07-09</a:t>
+              <a:t>2024-07-10</a:t>
             </a:fld>
             <a:endParaRPr lang="ko-KR" altLang="en-US"/>
           </a:p>
@@ -2911,7 +2911,7 @@
           <a:p>
             <a:fld id="{7F2EB246-C8AD-4BA7-AE52-504659531BF0}" type="datetimeFigureOut">
               <a:rPr lang="ko-KR" altLang="en-US" smtClean="0"/>
-              <a:t>2024-07-09</a:t>
+              <a:t>2024-07-10</a:t>
             </a:fld>
             <a:endParaRPr lang="ko-KR" altLang="en-US"/>
           </a:p>
@@ -3512,6 +3512,520 @@
           </a:p>
         </p:txBody>
       </p:sp>
+      <p:sp>
+        <p:nvSpPr>
+          <p:cNvPr id="3" name="Rectangle 1">
+            <a:extLst>
+              <a:ext uri="{FF2B5EF4-FFF2-40B4-BE49-F238E27FC236}">
+                <a16:creationId xmlns:a16="http://schemas.microsoft.com/office/drawing/2014/main" id="{95ABB237-5E2A-DA4B-0F66-25E0072585F5}"/>
+              </a:ext>
+            </a:extLst>
+          </p:cNvPr>
+          <p:cNvSpPr>
+            <a:spLocks noChangeArrowheads="1"/>
+          </p:cNvSpPr>
+          <p:nvPr/>
+        </p:nvSpPr>
+        <p:spPr bwMode="auto">
+          <a:xfrm rot="10800000" flipV="1">
+            <a:off x="4884660" y="3151613"/>
+            <a:ext cx="6063916" cy="2585323"/>
+          </a:xfrm>
+          <a:prstGeom prst="rect">
+            <a:avLst/>
+          </a:prstGeom>
+          <a:noFill/>
+          <a:ln>
+            <a:noFill/>
+          </a:ln>
+          <a:effectLst/>
+          <a:extLst>
+            <a:ext uri="{909E8E84-426E-40DD-AFC4-6F175D3DCCD1}">
+              <a14:hiddenFill xmlns:a14="http://schemas.microsoft.com/office/drawing/2010/main">
+                <a:solidFill>
+                  <a:schemeClr val="accent1"/>
+                </a:solidFill>
+              </a14:hiddenFill>
+            </a:ext>
+            <a:ext uri="{91240B29-F687-4F45-9708-019B960494DF}">
+              <a14:hiddenLine xmlns:a14="http://schemas.microsoft.com/office/drawing/2010/main" w="9525">
+                <a:solidFill>
+                  <a:schemeClr val="tx1"/>
+                </a:solidFill>
+                <a:miter lim="800000"/>
+                <a:headEnd/>
+                <a:tailEnd/>
+              </a14:hiddenLine>
+            </a:ext>
+            <a:ext uri="{AF507438-7753-43E0-B8FC-AC1667EBCBE1}">
+              <a14:hiddenEffects xmlns:a14="http://schemas.microsoft.com/office/drawing/2010/main">
+                <a:effectLst>
+                  <a:outerShdw dist="35921" dir="2700000" algn="ctr" rotWithShape="0">
+                    <a:schemeClr val="bg2"/>
+                  </a:outerShdw>
+                </a:effectLst>
+              </a14:hiddenEffects>
+            </a:ext>
+          </a:extLst>
+        </p:spPr>
+        <p:txBody>
+          <a:bodyPr vert="horz" wrap="square" lIns="91440" tIns="45720" rIns="91440" bIns="45720" numCol="1" anchor="ctr" anchorCtr="0" compatLnSpc="1">
+            <a:prstTxWarp prst="textNoShape">
+              <a:avLst/>
+            </a:prstTxWarp>
+            <a:spAutoFit/>
+          </a:bodyPr>
+          <a:lstStyle/>
+          <a:p>
+            <a:pPr marL="0" marR="0" lvl="0" indent="0" algn="l" defTabSz="914400" rtl="0" eaLnBrk="0" fontAlgn="base" latinLnBrk="0" hangingPunct="0">
+              <a:lnSpc>
+                <a:spcPct val="100000"/>
+              </a:lnSpc>
+              <a:spcBef>
+                <a:spcPct val="0"/>
+              </a:spcBef>
+              <a:spcAft>
+                <a:spcPct val="0"/>
+              </a:spcAft>
+              <a:buClrTx/>
+              <a:buSzTx/>
+              <a:buFontTx/>
+              <a:buChar char="•"/>
+              <a:tabLst/>
+            </a:pPr>
+            <a:r>
+              <a:rPr kumimoji="0" lang="ko-KR" altLang="ko-KR" sz="1800" b="0" i="0" u="none" strike="noStrike" cap="none" normalizeH="0" baseline="0" dirty="0" err="1">
+                <a:ln>
+                  <a:noFill/>
+                </a:ln>
+                <a:solidFill>
+                  <a:schemeClr val="tx1"/>
+                </a:solidFill>
+                <a:effectLst/>
+                <a:latin typeface="Arial" panose="020B0604020202020204" pitchFamily="34" charset="0"/>
+              </a:rPr>
+              <a:t>Create</a:t>
+            </a:r>
+            <a:r>
+              <a:rPr kumimoji="0" lang="ko-KR" altLang="ko-KR" sz="1800" b="0" i="0" u="none" strike="noStrike" cap="none" normalizeH="0" baseline="0" dirty="0">
+                <a:ln>
+                  <a:noFill/>
+                </a:ln>
+                <a:solidFill>
+                  <a:schemeClr val="tx1"/>
+                </a:solidFill>
+                <a:effectLst/>
+                <a:latin typeface="Arial" panose="020B0604020202020204" pitchFamily="34" charset="0"/>
+              </a:rPr>
+              <a:t> </a:t>
+            </a:r>
+            <a:r>
+              <a:rPr kumimoji="0" lang="ko-KR" altLang="ko-KR" sz="1800" b="0" i="0" u="none" strike="noStrike" cap="none" normalizeH="0" baseline="0" dirty="0" err="1">
+                <a:ln>
+                  <a:noFill/>
+                </a:ln>
+                <a:solidFill>
+                  <a:schemeClr val="tx1"/>
+                </a:solidFill>
+                <a:effectLst/>
+                <a:latin typeface="Arial" panose="020B0604020202020204" pitchFamily="34" charset="0"/>
+              </a:rPr>
+              <a:t>React</a:t>
+            </a:r>
+            <a:r>
+              <a:rPr kumimoji="0" lang="ko-KR" altLang="ko-KR" sz="1800" b="0" i="0" u="none" strike="noStrike" cap="none" normalizeH="0" baseline="0" dirty="0">
+                <a:ln>
+                  <a:noFill/>
+                </a:ln>
+                <a:solidFill>
+                  <a:schemeClr val="tx1"/>
+                </a:solidFill>
+                <a:effectLst/>
+                <a:latin typeface="Arial" panose="020B0604020202020204" pitchFamily="34" charset="0"/>
+              </a:rPr>
+              <a:t> </a:t>
+            </a:r>
+            <a:r>
+              <a:rPr kumimoji="0" lang="ko-KR" altLang="ko-KR" sz="1800" b="0" i="0" u="none" strike="noStrike" cap="none" normalizeH="0" baseline="0" dirty="0" err="1">
+                <a:ln>
+                  <a:noFill/>
+                </a:ln>
+                <a:solidFill>
+                  <a:schemeClr val="tx1"/>
+                </a:solidFill>
+                <a:effectLst/>
+                <a:latin typeface="Arial" panose="020B0604020202020204" pitchFamily="34" charset="0"/>
+              </a:rPr>
+              <a:t>App을</a:t>
+            </a:r>
+            <a:r>
+              <a:rPr kumimoji="0" lang="ko-KR" altLang="ko-KR" sz="1800" b="0" i="0" u="none" strike="noStrike" cap="none" normalizeH="0" baseline="0" dirty="0">
+                <a:ln>
+                  <a:noFill/>
+                </a:ln>
+                <a:solidFill>
+                  <a:schemeClr val="tx1"/>
+                </a:solidFill>
+                <a:effectLst/>
+                <a:latin typeface="Arial" panose="020B0604020202020204" pitchFamily="34" charset="0"/>
+              </a:rPr>
+              <a:t> 사용하여 </a:t>
+            </a:r>
+            <a:r>
+              <a:rPr kumimoji="0" lang="ko-KR" altLang="ko-KR" sz="1800" b="0" i="0" u="none" strike="noStrike" cap="none" normalizeH="0" baseline="0" dirty="0" err="1">
+                <a:ln>
+                  <a:noFill/>
+                </a:ln>
+                <a:solidFill>
+                  <a:schemeClr val="tx1"/>
+                </a:solidFill>
+                <a:effectLst/>
+                <a:latin typeface="Arial" panose="020B0604020202020204" pitchFamily="34" charset="0"/>
+              </a:rPr>
+              <a:t>React</a:t>
+            </a:r>
+            <a:r>
+              <a:rPr kumimoji="0" lang="ko-KR" altLang="ko-KR" sz="1800" b="0" i="0" u="none" strike="noStrike" cap="none" normalizeH="0" baseline="0" dirty="0">
+                <a:ln>
+                  <a:noFill/>
+                </a:ln>
+                <a:solidFill>
+                  <a:schemeClr val="tx1"/>
+                </a:solidFill>
+                <a:effectLst/>
+                <a:latin typeface="Arial" panose="020B0604020202020204" pitchFamily="34" charset="0"/>
+              </a:rPr>
+              <a:t> 프로젝트 생성 </a:t>
+            </a:r>
+          </a:p>
+          <a:p>
+            <a:pPr marL="0" marR="0" lvl="0" indent="0" algn="l" defTabSz="914400" rtl="0" eaLnBrk="0" fontAlgn="base" latinLnBrk="0" hangingPunct="0">
+              <a:lnSpc>
+                <a:spcPct val="100000"/>
+              </a:lnSpc>
+              <a:spcBef>
+                <a:spcPct val="0"/>
+              </a:spcBef>
+              <a:spcAft>
+                <a:spcPct val="0"/>
+              </a:spcAft>
+              <a:buClrTx/>
+              <a:buSzTx/>
+              <a:buFontTx/>
+              <a:buChar char="•"/>
+              <a:tabLst/>
+            </a:pPr>
+            <a:r>
+              <a:rPr kumimoji="0" lang="ko-KR" altLang="ko-KR" sz="1800" b="0" i="0" u="none" strike="noStrike" cap="none" normalizeH="0" baseline="0" dirty="0" err="1">
+                <a:ln>
+                  <a:noFill/>
+                </a:ln>
+                <a:solidFill>
+                  <a:schemeClr val="tx1"/>
+                </a:solidFill>
+                <a:effectLst/>
+                <a:latin typeface="Arial" panose="020B0604020202020204" pitchFamily="34" charset="0"/>
+              </a:rPr>
+              <a:t>백엔드를</a:t>
+            </a:r>
+            <a:r>
+              <a:rPr kumimoji="0" lang="ko-KR" altLang="ko-KR" sz="1800" b="0" i="0" u="none" strike="noStrike" cap="none" normalizeH="0" baseline="0" dirty="0">
+                <a:ln>
+                  <a:noFill/>
+                </a:ln>
+                <a:solidFill>
+                  <a:schemeClr val="tx1"/>
+                </a:solidFill>
+                <a:effectLst/>
+                <a:latin typeface="Arial" panose="020B0604020202020204" pitchFamily="34" charset="0"/>
+              </a:rPr>
+              <a:t> 위한 Node.js 프로젝트 설정 </a:t>
+            </a:r>
+          </a:p>
+          <a:p>
+            <a:pPr marL="0" marR="0" lvl="0" indent="0" algn="l" defTabSz="914400" rtl="0" eaLnBrk="0" fontAlgn="base" latinLnBrk="0" hangingPunct="0">
+              <a:lnSpc>
+                <a:spcPct val="100000"/>
+              </a:lnSpc>
+              <a:spcBef>
+                <a:spcPct val="0"/>
+              </a:spcBef>
+              <a:spcAft>
+                <a:spcPct val="0"/>
+              </a:spcAft>
+              <a:buClrTx/>
+              <a:buSzTx/>
+              <a:buFontTx/>
+              <a:buChar char="•"/>
+              <a:tabLst/>
+            </a:pPr>
+            <a:r>
+              <a:rPr kumimoji="0" lang="ko-KR" altLang="ko-KR" sz="1800" b="0" i="0" u="none" strike="noStrike" cap="none" normalizeH="0" baseline="0" dirty="0" err="1">
+                <a:ln>
+                  <a:noFill/>
+                </a:ln>
+                <a:solidFill>
+                  <a:schemeClr val="tx1"/>
+                </a:solidFill>
+                <a:effectLst/>
+                <a:latin typeface="Arial" panose="020B0604020202020204" pitchFamily="34" charset="0"/>
+              </a:rPr>
+              <a:t>MongoDB</a:t>
+            </a:r>
+            <a:r>
+              <a:rPr kumimoji="0" lang="ko-KR" altLang="ko-KR" sz="1800" b="0" i="0" u="none" strike="noStrike" cap="none" normalizeH="0" baseline="0" dirty="0">
+                <a:ln>
+                  <a:noFill/>
+                </a:ln>
+                <a:solidFill>
+                  <a:schemeClr val="tx1"/>
+                </a:solidFill>
+                <a:effectLst/>
+                <a:latin typeface="Arial" panose="020B0604020202020204" pitchFamily="34" charset="0"/>
+              </a:rPr>
+              <a:t> 설정 </a:t>
+            </a:r>
+          </a:p>
+          <a:p>
+            <a:pPr marL="0" marR="0" lvl="0" indent="0" algn="l" defTabSz="914400" rtl="0" eaLnBrk="0" fontAlgn="base" latinLnBrk="0" hangingPunct="0">
+              <a:lnSpc>
+                <a:spcPct val="100000"/>
+              </a:lnSpc>
+              <a:spcBef>
+                <a:spcPct val="0"/>
+              </a:spcBef>
+              <a:spcAft>
+                <a:spcPct val="0"/>
+              </a:spcAft>
+              <a:buClrTx/>
+              <a:buSzTx/>
+              <a:buFontTx/>
+              <a:buChar char="•"/>
+              <a:tabLst/>
+            </a:pPr>
+            <a:r>
+              <a:rPr kumimoji="0" lang="ko-KR" altLang="ko-KR" sz="1800" b="0" i="0" u="none" strike="noStrike" cap="none" normalizeH="0" baseline="0" dirty="0">
+                <a:ln>
+                  <a:noFill/>
+                </a:ln>
+                <a:solidFill>
+                  <a:schemeClr val="tx1"/>
+                </a:solidFill>
+                <a:effectLst/>
+                <a:latin typeface="Arial" panose="020B0604020202020204" pitchFamily="34" charset="0"/>
+              </a:rPr>
+              <a:t>기본적인 라우팅 및 컴포넌트 구조 설계 </a:t>
+            </a:r>
+          </a:p>
+          <a:p>
+            <a:pPr marL="0" marR="0" lvl="0" indent="0" algn="l" defTabSz="914400" rtl="0" eaLnBrk="0" fontAlgn="base" latinLnBrk="0" hangingPunct="0">
+              <a:lnSpc>
+                <a:spcPct val="100000"/>
+              </a:lnSpc>
+              <a:spcBef>
+                <a:spcPct val="0"/>
+              </a:spcBef>
+              <a:spcAft>
+                <a:spcPct val="0"/>
+              </a:spcAft>
+              <a:buClrTx/>
+              <a:buSzTx/>
+              <a:buFontTx/>
+              <a:buChar char="•"/>
+              <a:tabLst/>
+            </a:pPr>
+            <a:r>
+              <a:rPr kumimoji="0" lang="ko-KR" altLang="ko-KR" sz="1800" b="0" i="0" u="none" strike="noStrike" cap="none" normalizeH="0" baseline="0" dirty="0">
+                <a:ln>
+                  <a:noFill/>
+                </a:ln>
+                <a:solidFill>
+                  <a:schemeClr val="tx1"/>
+                </a:solidFill>
+                <a:effectLst/>
+                <a:latin typeface="Arial" panose="020B0604020202020204" pitchFamily="34" charset="0"/>
+              </a:rPr>
+              <a:t>사용자 인증 시스템 구현 </a:t>
+            </a:r>
+          </a:p>
+          <a:p>
+            <a:pPr marL="0" marR="0" lvl="0" indent="0" algn="l" defTabSz="914400" rtl="0" eaLnBrk="0" fontAlgn="base" latinLnBrk="0" hangingPunct="0">
+              <a:lnSpc>
+                <a:spcPct val="100000"/>
+              </a:lnSpc>
+              <a:spcBef>
+                <a:spcPct val="0"/>
+              </a:spcBef>
+              <a:spcAft>
+                <a:spcPct val="0"/>
+              </a:spcAft>
+              <a:buClrTx/>
+              <a:buSzTx/>
+              <a:buFontTx/>
+              <a:buChar char="•"/>
+              <a:tabLst/>
+            </a:pPr>
+            <a:r>
+              <a:rPr kumimoji="0" lang="ko-KR" altLang="ko-KR" sz="1800" b="0" i="0" u="none" strike="noStrike" cap="none" normalizeH="0" baseline="0" dirty="0">
+                <a:ln>
+                  <a:noFill/>
+                </a:ln>
+                <a:solidFill>
+                  <a:schemeClr val="tx1"/>
+                </a:solidFill>
+                <a:effectLst/>
+                <a:latin typeface="Arial" panose="020B0604020202020204" pitchFamily="34" charset="0"/>
+              </a:rPr>
+              <a:t>예약 기능 구현 (</a:t>
+            </a:r>
+            <a:r>
+              <a:rPr kumimoji="0" lang="ko-KR" altLang="ko-KR" sz="1800" b="0" i="0" u="none" strike="noStrike" cap="none" normalizeH="0" baseline="0" dirty="0" err="1">
+                <a:ln>
+                  <a:noFill/>
+                </a:ln>
+                <a:solidFill>
+                  <a:schemeClr val="tx1"/>
+                </a:solidFill>
+                <a:effectLst/>
+                <a:latin typeface="Arial" panose="020B0604020202020204" pitchFamily="34" charset="0"/>
+              </a:rPr>
+              <a:t>React</a:t>
+            </a:r>
+            <a:r>
+              <a:rPr kumimoji="0" lang="ko-KR" altLang="ko-KR" sz="1800" b="0" i="0" u="none" strike="noStrike" cap="none" normalizeH="0" baseline="0" dirty="0">
+                <a:ln>
+                  <a:noFill/>
+                </a:ln>
+                <a:solidFill>
+                  <a:schemeClr val="tx1"/>
+                </a:solidFill>
+                <a:effectLst/>
+                <a:latin typeface="Arial" panose="020B0604020202020204" pitchFamily="34" charset="0"/>
+              </a:rPr>
+              <a:t> Big </a:t>
+            </a:r>
+            <a:r>
+              <a:rPr kumimoji="0" lang="ko-KR" altLang="ko-KR" sz="1800" b="0" i="0" u="none" strike="noStrike" cap="none" normalizeH="0" baseline="0" dirty="0" err="1">
+                <a:ln>
+                  <a:noFill/>
+                </a:ln>
+                <a:solidFill>
+                  <a:schemeClr val="tx1"/>
+                </a:solidFill>
+                <a:effectLst/>
+                <a:latin typeface="Arial" panose="020B0604020202020204" pitchFamily="34" charset="0"/>
+              </a:rPr>
+              <a:t>Calendar</a:t>
+            </a:r>
+            <a:r>
+              <a:rPr kumimoji="0" lang="ko-KR" altLang="ko-KR" sz="1800" b="0" i="0" u="none" strike="noStrike" cap="none" normalizeH="0" baseline="0" dirty="0">
+                <a:ln>
+                  <a:noFill/>
+                </a:ln>
+                <a:solidFill>
+                  <a:schemeClr val="tx1"/>
+                </a:solidFill>
+                <a:effectLst/>
+                <a:latin typeface="Arial" panose="020B0604020202020204" pitchFamily="34" charset="0"/>
+              </a:rPr>
+              <a:t> 사용) </a:t>
+            </a:r>
+          </a:p>
+          <a:p>
+            <a:pPr marL="0" marR="0" lvl="0" indent="0" algn="l" defTabSz="914400" rtl="0" eaLnBrk="0" fontAlgn="base" latinLnBrk="0" hangingPunct="0">
+              <a:lnSpc>
+                <a:spcPct val="100000"/>
+              </a:lnSpc>
+              <a:spcBef>
+                <a:spcPct val="0"/>
+              </a:spcBef>
+              <a:spcAft>
+                <a:spcPct val="0"/>
+              </a:spcAft>
+              <a:buClrTx/>
+              <a:buSzTx/>
+              <a:buFontTx/>
+              <a:buChar char="•"/>
+              <a:tabLst/>
+            </a:pPr>
+            <a:r>
+              <a:rPr kumimoji="0" lang="ko-KR" altLang="ko-KR" sz="1800" b="0" i="0" u="none" strike="noStrike" cap="none" normalizeH="0" baseline="0" dirty="0">
+                <a:ln>
+                  <a:noFill/>
+                </a:ln>
+                <a:solidFill>
+                  <a:schemeClr val="tx1"/>
+                </a:solidFill>
+                <a:effectLst/>
+                <a:latin typeface="Arial" panose="020B0604020202020204" pitchFamily="34" charset="0"/>
+              </a:rPr>
+              <a:t>API 연동 </a:t>
+            </a:r>
+          </a:p>
+          <a:p>
+            <a:pPr marL="0" marR="0" lvl="0" indent="0" algn="l" defTabSz="914400" rtl="0" eaLnBrk="0" fontAlgn="base" latinLnBrk="0" hangingPunct="0">
+              <a:lnSpc>
+                <a:spcPct val="100000"/>
+              </a:lnSpc>
+              <a:spcBef>
+                <a:spcPct val="0"/>
+              </a:spcBef>
+              <a:spcAft>
+                <a:spcPct val="0"/>
+              </a:spcAft>
+              <a:buClrTx/>
+              <a:buSzTx/>
+              <a:buFontTx/>
+              <a:buChar char="•"/>
+              <a:tabLst/>
+            </a:pPr>
+            <a:r>
+              <a:rPr kumimoji="0" lang="ko-KR" altLang="ko-KR" sz="1800" b="0" i="0" u="none" strike="noStrike" cap="none" normalizeH="0" baseline="0" dirty="0">
+                <a:ln>
+                  <a:noFill/>
+                </a:ln>
+                <a:solidFill>
+                  <a:schemeClr val="tx1"/>
+                </a:solidFill>
+                <a:effectLst/>
+                <a:latin typeface="Arial" panose="020B0604020202020204" pitchFamily="34" charset="0"/>
+              </a:rPr>
+              <a:t>스타일링 </a:t>
+            </a:r>
+          </a:p>
+          <a:p>
+            <a:pPr marL="0" marR="0" lvl="0" indent="0" algn="l" defTabSz="914400" rtl="0" eaLnBrk="0" fontAlgn="base" latinLnBrk="0" hangingPunct="0">
+              <a:lnSpc>
+                <a:spcPct val="100000"/>
+              </a:lnSpc>
+              <a:spcBef>
+                <a:spcPct val="0"/>
+              </a:spcBef>
+              <a:spcAft>
+                <a:spcPct val="0"/>
+              </a:spcAft>
+              <a:buClrTx/>
+              <a:buSzTx/>
+              <a:buFontTx/>
+              <a:buChar char="•"/>
+              <a:tabLst/>
+            </a:pPr>
+            <a:r>
+              <a:rPr kumimoji="0" lang="ko-KR" altLang="ko-KR" sz="1800" b="0" i="0" u="none" strike="noStrike" cap="none" normalizeH="0" baseline="0" dirty="0">
+                <a:ln>
+                  <a:noFill/>
+                </a:ln>
+                <a:solidFill>
+                  <a:schemeClr val="tx1"/>
+                </a:solidFill>
+                <a:effectLst/>
+                <a:latin typeface="Arial" panose="020B0604020202020204" pitchFamily="34" charset="0"/>
+              </a:rPr>
+              <a:t>테스트 및 배포 </a:t>
+            </a:r>
+          </a:p>
+        </p:txBody>
+      </p:sp>
     </p:spTree>
     <p:extLst>
       <p:ext uri="{BB962C8B-B14F-4D97-AF65-F5344CB8AC3E}">
